--- a/DataMining3Deniz.pptx
+++ b/DataMining3Deniz.pptx
@@ -8,13 +8,14 @@
     <p:sldId id="256" r:id="rId2"/>
     <p:sldId id="257" r:id="rId3"/>
     <p:sldId id="259" r:id="rId4"/>
-    <p:sldId id="260" r:id="rId5"/>
-    <p:sldId id="262" r:id="rId6"/>
-    <p:sldId id="264" r:id="rId7"/>
-    <p:sldId id="265" r:id="rId8"/>
-    <p:sldId id="270" r:id="rId9"/>
-    <p:sldId id="269" r:id="rId10"/>
-    <p:sldId id="266" r:id="rId11"/>
+    <p:sldId id="262" r:id="rId5"/>
+    <p:sldId id="271" r:id="rId6"/>
+    <p:sldId id="260" r:id="rId7"/>
+    <p:sldId id="264" r:id="rId8"/>
+    <p:sldId id="265" r:id="rId9"/>
+    <p:sldId id="270" r:id="rId10"/>
+    <p:sldId id="269" r:id="rId11"/>
+    <p:sldId id="266" r:id="rId12"/>
   </p:sldIdLst>
   <p:sldSz cx="12192000" cy="6858000"/>
   <p:notesSz cx="6858000" cy="9144000"/>
@@ -5822,8 +5823,13 @@
           <a:p>
             <a:r>
               <a:rPr lang="en-US" dirty="0"/>
-              <a:t>Task 3 : Descriptive Mining part 3</a:t>
-            </a:r>
+              <a:t>Task 3 : Descriptive Mining part </a:t>
+            </a:r>
+            <a:r>
+              <a:rPr lang="en-US" dirty="0" smtClean="0"/>
+              <a:t>2</a:t>
+            </a:r>
+            <a:endParaRPr lang="en-US" dirty="0"/>
           </a:p>
         </p:txBody>
       </p:sp>
@@ -5869,6 +5875,108 @@
           <p:cNvPr id="2" name="Title 1">
             <a:extLst>
               <a:ext uri="{FF2B5EF4-FFF2-40B4-BE49-F238E27FC236}">
+                <a16:creationId xmlns:a16="http://schemas.microsoft.com/office/drawing/2014/main" id="{3112F408-89C1-43DF-819C-F5D9F023C9E0}"/>
+              </a:ext>
+            </a:extLst>
+          </p:cNvPr>
+          <p:cNvSpPr>
+            <a:spLocks noGrp="1"/>
+          </p:cNvSpPr>
+          <p:nvPr>
+            <p:ph type="title"/>
+          </p:nvPr>
+        </p:nvSpPr>
+        <p:spPr/>
+        <p:txBody>
+          <a:bodyPr/>
+          <a:lstStyle/>
+          <a:p>
+            <a:r>
+              <a:rPr lang="en-GB" dirty="0"/>
+              <a:t>Franchise hotel analysis</a:t>
+            </a:r>
+            <a:endParaRPr lang="en-US" dirty="0"/>
+          </a:p>
+        </p:txBody>
+      </p:sp>
+      <p:pic>
+        <p:nvPicPr>
+          <p:cNvPr id="3" name="Picture 3">
+            <a:extLst>
+              <a:ext uri="{FF2B5EF4-FFF2-40B4-BE49-F238E27FC236}">
+                <a16:creationId xmlns:a16="http://schemas.microsoft.com/office/drawing/2014/main" id="{9E2E95E8-0AED-453B-A36B-AA8D5E63AA3D}"/>
+              </a:ext>
+            </a:extLst>
+          </p:cNvPr>
+          <p:cNvPicPr>
+            <a:picLocks noChangeAspect="1"/>
+          </p:cNvPicPr>
+          <p:nvPr/>
+        </p:nvPicPr>
+        <p:blipFill>
+          <a:blip r:embed="rId2">
+            <a:extLst>
+              <a:ext uri="{28A0092B-C50C-407E-A947-70E740481C1C}">
+                <a14:useLocalDpi xmlns:a14="http://schemas.microsoft.com/office/drawing/2010/main" val="0"/>
+              </a:ext>
+            </a:extLst>
+          </a:blip>
+          <a:stretch>
+            <a:fillRect/>
+          </a:stretch>
+        </p:blipFill>
+        <p:spPr>
+          <a:xfrm>
+            <a:off x="688359" y="1914525"/>
+            <a:ext cx="9788208" cy="4567830"/>
+          </a:xfrm>
+          <a:prstGeom prst="rect">
+            <a:avLst/>
+          </a:prstGeom>
+        </p:spPr>
+      </p:pic>
+    </p:spTree>
+    <p:extLst>
+      <p:ext uri="{BB962C8B-B14F-4D97-AF65-F5344CB8AC3E}">
+        <p14:creationId xmlns:p14="http://schemas.microsoft.com/office/powerpoint/2010/main" val="454606767"/>
+      </p:ext>
+    </p:extLst>
+  </p:cSld>
+  <p:clrMapOvr>
+    <a:masterClrMapping/>
+  </p:clrMapOvr>
+  <p:timing>
+    <p:tnLst>
+      <p:par>
+        <p:cTn id="1" dur="indefinite" restart="never" nodeType="tmRoot"/>
+      </p:par>
+    </p:tnLst>
+  </p:timing>
+</p:sld>
+</file>
+
+<file path=ppt/slides/slide11.xml><?xml version="1.0" encoding="utf-8"?>
+<p:sld xmlns:a="http://schemas.openxmlformats.org/drawingml/2006/main" xmlns:r="http://schemas.openxmlformats.org/officeDocument/2006/relationships" xmlns:p="http://schemas.openxmlformats.org/presentationml/2006/main">
+  <p:cSld>
+    <p:spTree>
+      <p:nvGrpSpPr>
+        <p:cNvPr id="1" name=""/>
+        <p:cNvGrpSpPr/>
+        <p:nvPr/>
+      </p:nvGrpSpPr>
+      <p:grpSpPr>
+        <a:xfrm>
+          <a:off x="0" y="0"/>
+          <a:ext cx="0" cy="0"/>
+          <a:chOff x="0" y="0"/>
+          <a:chExt cx="0" cy="0"/>
+        </a:xfrm>
+      </p:grpSpPr>
+      <p:sp>
+        <p:nvSpPr>
+          <p:cNvPr id="2" name="Title 1">
+            <a:extLst>
+              <a:ext uri="{FF2B5EF4-FFF2-40B4-BE49-F238E27FC236}">
                 <a16:creationId xmlns:a16="http://schemas.microsoft.com/office/drawing/2014/main" id="{6AEB1F7B-4F8E-45B7-B7D5-0A37B247D9B3}"/>
               </a:ext>
             </a:extLst>
@@ -6105,9 +6213,10 @@
           <a:lstStyle/>
           <a:p>
             <a:r>
-              <a:rPr lang="en-GB" dirty="0"/>
-              <a:t>Reviewer Scores vs Hotel Average Ratings</a:t>
-            </a:r>
+              <a:rPr lang="en-GB" dirty="0" smtClean="0"/>
+              <a:t>Reviewer Score Distribution</a:t>
+            </a:r>
+            <a:endParaRPr lang="en-GB" dirty="0"/>
           </a:p>
         </p:txBody>
       </p:sp>
@@ -6183,6 +6292,330 @@
           <p:cNvPr id="2" name="Title 1">
             <a:extLst>
               <a:ext uri="{FF2B5EF4-FFF2-40B4-BE49-F238E27FC236}">
+                <a16:creationId xmlns:a16="http://schemas.microsoft.com/office/drawing/2014/main" id="{3112F408-89C1-43DF-819C-F5D9F023C9E0}"/>
+              </a:ext>
+            </a:extLst>
+          </p:cNvPr>
+          <p:cNvSpPr>
+            <a:spLocks noGrp="1"/>
+          </p:cNvSpPr>
+          <p:nvPr>
+            <p:ph type="title"/>
+          </p:nvPr>
+        </p:nvSpPr>
+        <p:spPr/>
+        <p:txBody>
+          <a:bodyPr/>
+          <a:lstStyle/>
+          <a:p>
+            <a:r>
+              <a:rPr lang="en-GB" dirty="0"/>
+              <a:t>Reviewer Score Distribution</a:t>
+            </a:r>
+            <a:endParaRPr lang="en-US" dirty="0" err="1"/>
+          </a:p>
+        </p:txBody>
+      </p:sp>
+      <p:pic>
+        <p:nvPicPr>
+          <p:cNvPr id="3" name="Picture 3">
+            <a:extLst>
+              <a:ext uri="{FF2B5EF4-FFF2-40B4-BE49-F238E27FC236}">
+                <a16:creationId xmlns:a16="http://schemas.microsoft.com/office/drawing/2014/main" id="{9E2E95E8-0AED-453B-A36B-AA8D5E63AA3D}"/>
+              </a:ext>
+            </a:extLst>
+          </p:cNvPr>
+          <p:cNvPicPr>
+            <a:picLocks noChangeAspect="1"/>
+          </p:cNvPicPr>
+          <p:nvPr/>
+        </p:nvPicPr>
+        <p:blipFill>
+          <a:blip r:embed="rId2">
+            <a:extLst>
+              <a:ext uri="{28A0092B-C50C-407E-A947-70E740481C1C}">
+                <a14:useLocalDpi xmlns:a14="http://schemas.microsoft.com/office/drawing/2010/main" val="0"/>
+              </a:ext>
+            </a:extLst>
+          </a:blip>
+          <a:stretch>
+            <a:fillRect/>
+          </a:stretch>
+        </p:blipFill>
+        <p:spPr>
+          <a:xfrm>
+            <a:off x="688358" y="1914525"/>
+            <a:ext cx="9788211" cy="4567831"/>
+          </a:xfrm>
+          <a:prstGeom prst="rect">
+            <a:avLst/>
+          </a:prstGeom>
+        </p:spPr>
+      </p:pic>
+    </p:spTree>
+    <p:extLst>
+      <p:ext uri="{BB962C8B-B14F-4D97-AF65-F5344CB8AC3E}">
+        <p14:creationId xmlns:p14="http://schemas.microsoft.com/office/powerpoint/2010/main" val="3022992451"/>
+      </p:ext>
+    </p:extLst>
+  </p:cSld>
+  <p:clrMapOvr>
+    <a:masterClrMapping/>
+  </p:clrMapOvr>
+  <p:timing>
+    <p:tnLst>
+      <p:par>
+        <p:cTn id="1" dur="indefinite" restart="never" nodeType="tmRoot"/>
+      </p:par>
+    </p:tnLst>
+  </p:timing>
+</p:sld>
+</file>
+
+<file path=ppt/slides/slide5.xml><?xml version="1.0" encoding="utf-8"?>
+<p:sld xmlns:a="http://schemas.openxmlformats.org/drawingml/2006/main" xmlns:r="http://schemas.openxmlformats.org/officeDocument/2006/relationships" xmlns:p="http://schemas.openxmlformats.org/presentationml/2006/main">
+  <p:cSld>
+    <p:spTree>
+      <p:nvGrpSpPr>
+        <p:cNvPr id="1" name=""/>
+        <p:cNvGrpSpPr/>
+        <p:nvPr/>
+      </p:nvGrpSpPr>
+      <p:grpSpPr>
+        <a:xfrm>
+          <a:off x="0" y="0"/>
+          <a:ext cx="0" cy="0"/>
+          <a:chOff x="0" y="0"/>
+          <a:chExt cx="0" cy="0"/>
+        </a:xfrm>
+      </p:grpSpPr>
+      <p:sp>
+        <p:nvSpPr>
+          <p:cNvPr id="2" name="Title 1">
+            <a:extLst>
+              <a:ext uri="{FF2B5EF4-FFF2-40B4-BE49-F238E27FC236}">
+                <a16:creationId xmlns:a16="http://schemas.microsoft.com/office/drawing/2014/main" id="{3112F408-89C1-43DF-819C-F5D9F023C9E0}"/>
+              </a:ext>
+            </a:extLst>
+          </p:cNvPr>
+          <p:cNvSpPr>
+            <a:spLocks noGrp="1"/>
+          </p:cNvSpPr>
+          <p:nvPr>
+            <p:ph type="title"/>
+          </p:nvPr>
+        </p:nvSpPr>
+        <p:spPr/>
+        <p:txBody>
+          <a:bodyPr/>
+          <a:lstStyle/>
+          <a:p>
+            <a:r>
+              <a:rPr lang="en-GB" dirty="0"/>
+              <a:t>Reviewer Score Distribution</a:t>
+            </a:r>
+            <a:endParaRPr lang="en-US" dirty="0" err="1"/>
+          </a:p>
+        </p:txBody>
+      </p:sp>
+      <p:pic>
+        <p:nvPicPr>
+          <p:cNvPr id="3" name="Picture 3">
+            <a:extLst>
+              <a:ext uri="{FF2B5EF4-FFF2-40B4-BE49-F238E27FC236}">
+                <a16:creationId xmlns:a16="http://schemas.microsoft.com/office/drawing/2014/main" id="{9E2E95E8-0AED-453B-A36B-AA8D5E63AA3D}"/>
+              </a:ext>
+            </a:extLst>
+          </p:cNvPr>
+          <p:cNvPicPr>
+            <a:picLocks noChangeAspect="1"/>
+          </p:cNvPicPr>
+          <p:nvPr/>
+        </p:nvPicPr>
+        <p:blipFill>
+          <a:blip r:embed="rId2">
+            <a:extLst>
+              <a:ext uri="{28A0092B-C50C-407E-A947-70E740481C1C}">
+                <a14:useLocalDpi xmlns:a14="http://schemas.microsoft.com/office/drawing/2010/main" val="0"/>
+              </a:ext>
+            </a:extLst>
+          </a:blip>
+          <a:stretch>
+            <a:fillRect/>
+          </a:stretch>
+        </p:blipFill>
+        <p:spPr>
+          <a:xfrm>
+            <a:off x="685801" y="1914525"/>
+            <a:ext cx="9788211" cy="4567831"/>
+          </a:xfrm>
+          <a:prstGeom prst="rect">
+            <a:avLst/>
+          </a:prstGeom>
+        </p:spPr>
+      </p:pic>
+      <p:sp>
+        <p:nvSpPr>
+          <p:cNvPr id="4" name="Down Arrow 3"/>
+          <p:cNvSpPr/>
+          <p:nvPr/>
+        </p:nvSpPr>
+        <p:spPr>
+          <a:xfrm>
+            <a:off x="7048879" y="4351804"/>
+            <a:ext cx="223025" cy="624468"/>
+          </a:xfrm>
+          <a:prstGeom prst="downArrow">
+            <a:avLst/>
+          </a:prstGeom>
+        </p:spPr>
+        <p:style>
+          <a:lnRef idx="2">
+            <a:schemeClr val="accent1">
+              <a:shade val="50000"/>
+            </a:schemeClr>
+          </a:lnRef>
+          <a:fillRef idx="1">
+            <a:schemeClr val="accent1"/>
+          </a:fillRef>
+          <a:effectRef idx="0">
+            <a:schemeClr val="accent1"/>
+          </a:effectRef>
+          <a:fontRef idx="minor">
+            <a:schemeClr val="lt1"/>
+          </a:fontRef>
+        </p:style>
+        <p:txBody>
+          <a:bodyPr rtlCol="0" anchor="ctr"/>
+          <a:lstStyle/>
+          <a:p>
+            <a:pPr algn="ctr"/>
+            <a:endParaRPr lang="de-DE"/>
+          </a:p>
+        </p:txBody>
+      </p:sp>
+      <p:sp>
+        <p:nvSpPr>
+          <p:cNvPr id="6" name="Down Arrow 5"/>
+          <p:cNvSpPr/>
+          <p:nvPr/>
+        </p:nvSpPr>
+        <p:spPr>
+          <a:xfrm>
+            <a:off x="7735227" y="3727336"/>
+            <a:ext cx="223025" cy="624468"/>
+          </a:xfrm>
+          <a:prstGeom prst="downArrow">
+            <a:avLst/>
+          </a:prstGeom>
+        </p:spPr>
+        <p:style>
+          <a:lnRef idx="2">
+            <a:schemeClr val="accent1">
+              <a:shade val="50000"/>
+            </a:schemeClr>
+          </a:lnRef>
+          <a:fillRef idx="1">
+            <a:schemeClr val="accent1"/>
+          </a:fillRef>
+          <a:effectRef idx="0">
+            <a:schemeClr val="accent1"/>
+          </a:effectRef>
+          <a:fontRef idx="minor">
+            <a:schemeClr val="lt1"/>
+          </a:fontRef>
+        </p:style>
+        <p:txBody>
+          <a:bodyPr rtlCol="0" anchor="ctr"/>
+          <a:lstStyle/>
+          <a:p>
+            <a:pPr algn="ctr"/>
+            <a:endParaRPr lang="de-DE"/>
+          </a:p>
+        </p:txBody>
+      </p:sp>
+      <p:sp>
+        <p:nvSpPr>
+          <p:cNvPr id="7" name="Down Arrow 6"/>
+          <p:cNvSpPr/>
+          <p:nvPr/>
+        </p:nvSpPr>
+        <p:spPr>
+          <a:xfrm>
+            <a:off x="8437755" y="2584367"/>
+            <a:ext cx="223025" cy="624468"/>
+          </a:xfrm>
+          <a:prstGeom prst="downArrow">
+            <a:avLst/>
+          </a:prstGeom>
+        </p:spPr>
+        <p:style>
+          <a:lnRef idx="2">
+            <a:schemeClr val="accent1">
+              <a:shade val="50000"/>
+            </a:schemeClr>
+          </a:lnRef>
+          <a:fillRef idx="1">
+            <a:schemeClr val="accent1"/>
+          </a:fillRef>
+          <a:effectRef idx="0">
+            <a:schemeClr val="accent1"/>
+          </a:effectRef>
+          <a:fontRef idx="minor">
+            <a:schemeClr val="lt1"/>
+          </a:fontRef>
+        </p:style>
+        <p:txBody>
+          <a:bodyPr rtlCol="0" anchor="ctr"/>
+          <a:lstStyle/>
+          <a:p>
+            <a:pPr algn="ctr"/>
+            <a:endParaRPr lang="de-DE"/>
+          </a:p>
+        </p:txBody>
+      </p:sp>
+    </p:spTree>
+    <p:extLst>
+      <p:ext uri="{BB962C8B-B14F-4D97-AF65-F5344CB8AC3E}">
+        <p14:creationId xmlns:p14="http://schemas.microsoft.com/office/powerpoint/2010/main" val="3351349154"/>
+      </p:ext>
+    </p:extLst>
+  </p:cSld>
+  <p:clrMapOvr>
+    <a:masterClrMapping/>
+  </p:clrMapOvr>
+  <p:timing>
+    <p:tnLst>
+      <p:par>
+        <p:cTn id="1" dur="indefinite" restart="never" nodeType="tmRoot"/>
+      </p:par>
+    </p:tnLst>
+  </p:timing>
+</p:sld>
+</file>
+
+<file path=ppt/slides/slide6.xml><?xml version="1.0" encoding="utf-8"?>
+<p:sld xmlns:a="http://schemas.openxmlformats.org/drawingml/2006/main" xmlns:r="http://schemas.openxmlformats.org/officeDocument/2006/relationships" xmlns:p="http://schemas.openxmlformats.org/presentationml/2006/main">
+  <p:cSld>
+    <p:spTree>
+      <p:nvGrpSpPr>
+        <p:cNvPr id="1" name=""/>
+        <p:cNvGrpSpPr/>
+        <p:nvPr/>
+      </p:nvGrpSpPr>
+      <p:grpSpPr>
+        <a:xfrm>
+          <a:off x="0" y="0"/>
+          <a:ext cx="0" cy="0"/>
+          <a:chOff x="0" y="0"/>
+          <a:chExt cx="0" cy="0"/>
+        </a:xfrm>
+      </p:grpSpPr>
+      <p:sp>
+        <p:nvSpPr>
+          <p:cNvPr id="2" name="Title 1">
+            <a:extLst>
+              <a:ext uri="{FF2B5EF4-FFF2-40B4-BE49-F238E27FC236}">
                 <a16:creationId xmlns:a16="http://schemas.microsoft.com/office/drawing/2014/main" id="{B9214774-74B3-447B-96E1-D8CEE9F81705}"/>
               </a:ext>
             </a:extLst>
@@ -6221,14 +6654,14 @@
           <p:nvPr>
             <p:extLst>
               <p:ext uri="{D42A27DB-BD31-4B8C-83A1-F6EECF244321}">
-                <p14:modId xmlns:p14="http://schemas.microsoft.com/office/powerpoint/2010/main" val="1164074493"/>
+                <p14:modId xmlns:p14="http://schemas.microsoft.com/office/powerpoint/2010/main" val="3953679253"/>
               </p:ext>
             </p:extLst>
           </p:nvPr>
         </p:nvGraphicFramePr>
         <p:xfrm>
-          <a:off x="2905125" y="2609850"/>
-          <a:ext cx="6126480" cy="2225675"/>
+          <a:off x="685799" y="2065867"/>
+          <a:ext cx="6595946" cy="4000395"/>
         </p:xfrm>
         <a:graphic>
           <a:graphicData uri="http://schemas.openxmlformats.org/drawingml/2006/table">
@@ -6237,21 +6670,14 @@
                 <a:tableStyleId>{5C22544A-7EE6-4342-B048-85BDC9FD1C3A}</a:tableStyleId>
               </a:tblPr>
               <a:tblGrid>
-                <a:gridCol w="2042160">
+                <a:gridCol w="3297973">
                   <a:extLst>
                     <a:ext uri="{9D8B030D-6E8A-4147-A177-3AD203B41FA5}">
                       <a16:colId xmlns:a16="http://schemas.microsoft.com/office/drawing/2014/main" val="3117144303"/>
                     </a:ext>
                   </a:extLst>
                 </a:gridCol>
-                <a:gridCol w="2042160">
-                  <a:extLst>
-                    <a:ext uri="{9D8B030D-6E8A-4147-A177-3AD203B41FA5}">
-                      <a16:colId xmlns:a16="http://schemas.microsoft.com/office/drawing/2014/main" val="2832886886"/>
-                    </a:ext>
-                  </a:extLst>
-                </a:gridCol>
-                <a:gridCol w="2042160">
+                <a:gridCol w="3297973">
                   <a:extLst>
                     <a:ext uri="{9D8B030D-6E8A-4147-A177-3AD203B41FA5}">
                       <a16:colId xmlns:a16="http://schemas.microsoft.com/office/drawing/2014/main" val="3652343191"/>
@@ -6259,7 +6685,7 @@
                   </a:extLst>
                 </a:gridCol>
               </a:tblGrid>
-              <a:tr h="370840">
+              <a:tr h="799805">
                 <a:tc>
                   <a:txBody>
                     <a:bodyPr/>
@@ -6271,22 +6697,6 @@
                       <a:r>
                         <a:rPr lang="en-GB" dirty="0"/>
                         <a:t>Bin Name</a:t>
-                      </a:r>
-                    </a:p>
-                  </a:txBody>
-                  <a:tcPr/>
-                </a:tc>
-                <a:tc>
-                  <a:txBody>
-                    <a:bodyPr/>
-                    <a:lstStyle/>
-                    <a:p>
-                      <a:pPr>
-                        <a:buNone/>
-                      </a:pPr>
-                      <a:r>
-                        <a:rPr lang="en-GB" dirty="0"/>
-                        <a:t>Above Percentile</a:t>
                       </a:r>
                     </a:p>
                   </a:txBody>
@@ -6314,7 +6724,7 @@
                   </a:ext>
                 </a:extLst>
               </a:tr>
-              <a:tr h="370840">
+              <a:tr h="799805">
                 <a:tc>
                   <a:txBody>
                     <a:bodyPr/>
@@ -6341,8 +6751,37 @@
                       </a:pPr>
                       <a:r>
                         <a:rPr lang="en-GB" dirty="0"/>
-                        <a:t>0%</a:t>
+                        <a:t>0.0 - </a:t>
                       </a:r>
+                      <a:r>
+                        <a:rPr lang="en-GB" dirty="0" smtClean="0"/>
+                        <a:t>7.4</a:t>
+                      </a:r>
+                      <a:endParaRPr lang="en-US" dirty="0"/>
+                    </a:p>
+                  </a:txBody>
+                  <a:tcPr/>
+                </a:tc>
+                <a:extLst>
+                  <a:ext uri="{0D108BD9-81ED-4DB2-BD59-A6C34878D82A}">
+                    <a16:rowId xmlns:a16="http://schemas.microsoft.com/office/drawing/2014/main" val="721574273"/>
+                  </a:ext>
+                </a:extLst>
+              </a:tr>
+              <a:tr h="799805">
+                <a:tc>
+                  <a:txBody>
+                    <a:bodyPr/>
+                    <a:lstStyle/>
+                    <a:p>
+                      <a:pPr>
+                        <a:buNone/>
+                      </a:pPr>
+                      <a:r>
+                        <a:rPr lang="en-GB" dirty="0" smtClean="0"/>
+                        <a:t>Average</a:t>
+                      </a:r>
+                      <a:endParaRPr lang="en-GB" dirty="0"/>
                     </a:p>
                   </a:txBody>
                   <a:tcPr/>
@@ -6356,64 +6795,12 @@
                         <a:buNone/>
                       </a:pPr>
                       <a:r>
-                        <a:rPr lang="en-GB" dirty="0"/>
-                        <a:t>0.0 - 7.5</a:t>
+                        <a:rPr lang="en-GB" dirty="0" smtClean="0"/>
+                        <a:t>7.5 </a:t>
                       </a:r>
-                      <a:endParaRPr lang="en-US" dirty="0"/>
-                    </a:p>
-                  </a:txBody>
-                  <a:tcPr/>
-                </a:tc>
-                <a:extLst>
-                  <a:ext uri="{0D108BD9-81ED-4DB2-BD59-A6C34878D82A}">
-                    <a16:rowId xmlns:a16="http://schemas.microsoft.com/office/drawing/2014/main" val="721574273"/>
-                  </a:ext>
-                </a:extLst>
-              </a:tr>
-              <a:tr h="370840">
-                <a:tc>
-                  <a:txBody>
-                    <a:bodyPr/>
-                    <a:lstStyle/>
-                    <a:p>
-                      <a:pPr>
-                        <a:buNone/>
-                      </a:pPr>
                       <a:r>
                         <a:rPr lang="en-GB" dirty="0"/>
-                        <a:t>Sufficient</a:t>
-                      </a:r>
-                    </a:p>
-                  </a:txBody>
-                  <a:tcPr/>
-                </a:tc>
-                <a:tc>
-                  <a:txBody>
-                    <a:bodyPr/>
-                    <a:lstStyle/>
-                    <a:p>
-                      <a:pPr>
-                        <a:buNone/>
-                      </a:pPr>
-                      <a:r>
-                        <a:rPr lang="en-GB" dirty="0"/>
-                        <a:t>20%</a:t>
-                      </a:r>
-                    </a:p>
-                  </a:txBody>
-                  <a:tcPr/>
-                </a:tc>
-                <a:tc>
-                  <a:txBody>
-                    <a:bodyPr/>
-                    <a:lstStyle/>
-                    <a:p>
-                      <a:pPr>
-                        <a:buNone/>
-                      </a:pPr>
-                      <a:r>
-                        <a:rPr lang="en-GB" dirty="0"/>
-                        <a:t>7.6 - 8.3</a:t>
+                        <a:t>- 8.3</a:t>
                       </a:r>
                     </a:p>
                   </a:txBody>
@@ -6425,62 +6812,7 @@
                   </a:ext>
                 </a:extLst>
               </a:tr>
-              <a:tr h="370840">
-                <a:tc>
-                  <a:txBody>
-                    <a:bodyPr/>
-                    <a:lstStyle/>
-                    <a:p>
-                      <a:pPr>
-                        <a:buNone/>
-                      </a:pPr>
-                      <a:r>
-                        <a:rPr lang="en-GB" dirty="0"/>
-                        <a:t>Satisfactory</a:t>
-                      </a:r>
-                    </a:p>
-                  </a:txBody>
-                  <a:tcPr/>
-                </a:tc>
-                <a:tc>
-                  <a:txBody>
-                    <a:bodyPr/>
-                    <a:lstStyle/>
-                    <a:p>
-                      <a:pPr>
-                        <a:buNone/>
-                      </a:pPr>
-                      <a:r>
-                        <a:rPr lang="en-GB" dirty="0"/>
-                        <a:t>40%</a:t>
-                      </a:r>
-                    </a:p>
-                  </a:txBody>
-                  <a:tcPr/>
-                </a:tc>
-                <a:tc>
-                  <a:txBody>
-                    <a:bodyPr/>
-                    <a:lstStyle/>
-                    <a:p>
-                      <a:pPr>
-                        <a:buNone/>
-                      </a:pPr>
-                      <a:r>
-                        <a:rPr lang="en-GB" dirty="0"/>
-                        <a:t>8.4 - 9.1</a:t>
-                      </a:r>
-                    </a:p>
-                  </a:txBody>
-                  <a:tcPr/>
-                </a:tc>
-                <a:extLst>
-                  <a:ext uri="{0D108BD9-81ED-4DB2-BD59-A6C34878D82A}">
-                    <a16:rowId xmlns:a16="http://schemas.microsoft.com/office/drawing/2014/main" val="1619573269"/>
-                  </a:ext>
-                </a:extLst>
-              </a:tr>
-              <a:tr h="371475">
+              <a:tr h="801175">
                 <a:tc>
                   <a:txBody>
                     <a:bodyPr/>
@@ -6506,24 +6838,12 @@
                         <a:buNone/>
                       </a:pPr>
                       <a:r>
-                        <a:rPr lang="en-GB" dirty="0"/>
-                        <a:t>60%</a:t>
+                        <a:rPr lang="en-GB" dirty="0" smtClean="0"/>
+                        <a:t>8.4 </a:t>
                       </a:r>
-                    </a:p>
-                  </a:txBody>
-                  <a:tcPr/>
-                </a:tc>
-                <a:tc>
-                  <a:txBody>
-                    <a:bodyPr/>
-                    <a:lstStyle/>
-                    <a:p>
-                      <a:pPr lvl="0">
-                        <a:buNone/>
-                      </a:pPr>
                       <a:r>
                         <a:rPr lang="en-GB" dirty="0"/>
-                        <a:t>9.2 - 9.5</a:t>
+                        <a:t>- 9.5</a:t>
                       </a:r>
                     </a:p>
                   </a:txBody>
@@ -6535,7 +6855,7 @@
                   </a:ext>
                 </a:extLst>
               </a:tr>
-              <a:tr h="370840">
+              <a:tr h="799805">
                 <a:tc>
                   <a:txBody>
                     <a:bodyPr/>
@@ -6547,22 +6867,6 @@
                       <a:r>
                         <a:rPr lang="en-GB" dirty="0"/>
                         <a:t>Very Good</a:t>
-                      </a:r>
-                    </a:p>
-                  </a:txBody>
-                  <a:tcPr/>
-                </a:tc>
-                <a:tc>
-                  <a:txBody>
-                    <a:bodyPr/>
-                    <a:lstStyle/>
-                    <a:p>
-                      <a:pPr>
-                        <a:buNone/>
-                      </a:pPr>
-                      <a:r>
-                        <a:rPr lang="en-GB" dirty="0"/>
-                        <a:t>80%</a:t>
                       </a:r>
                     </a:p>
                   </a:txBody>
@@ -6614,7 +6918,7 @@
 </p:sld>
 </file>
 
-<file path=ppt/slides/slide5.xml><?xml version="1.0" encoding="utf-8"?>
+<file path=ppt/slides/slide7.xml><?xml version="1.0" encoding="utf-8"?>
 <p:sld xmlns:a="http://schemas.openxmlformats.org/drawingml/2006/main" xmlns:r="http://schemas.openxmlformats.org/officeDocument/2006/relationships" xmlns:p="http://schemas.openxmlformats.org/presentationml/2006/main">
   <p:cSld>
     <p:spTree>
@@ -6654,19 +6958,15 @@
           <a:p>
             <a:r>
               <a:rPr lang="en-GB" dirty="0"/>
-              <a:t>Bins </a:t>
-            </a:r>
-            <a:r>
-              <a:rPr lang="en-GB" dirty="0" err="1"/>
-              <a:t>Contd</a:t>
-            </a:r>
-            <a:endParaRPr lang="en-US" dirty="0" err="1"/>
+              <a:t>City reviewer score analysis</a:t>
+            </a:r>
+            <a:endParaRPr lang="en-US" dirty="0"/>
           </a:p>
         </p:txBody>
       </p:sp>
       <p:pic>
         <p:nvPicPr>
-          <p:cNvPr id="3" name="Picture 3" descr="Rev_Rat_Dist.png">
+          <p:cNvPr id="3" name="Picture 3">
             <a:extLst>
               <a:ext uri="{FF2B5EF4-FFF2-40B4-BE49-F238E27FC236}">
                 <a16:creationId xmlns:a16="http://schemas.microsoft.com/office/drawing/2014/main" id="{9E2E95E8-0AED-453B-A36B-AA8D5E63AA3D}"/>
@@ -6679,103 +6979,13 @@
           <p:nvPr/>
         </p:nvPicPr>
         <p:blipFill>
-          <a:blip r:embed="rId2"/>
-          <a:stretch>
-            <a:fillRect/>
-          </a:stretch>
-        </p:blipFill>
-        <p:spPr>
-          <a:xfrm>
-            <a:off x="688358" y="1914525"/>
-            <a:ext cx="9788211" cy="4567832"/>
-          </a:xfrm>
-          <a:prstGeom prst="rect">
-            <a:avLst/>
-          </a:prstGeom>
-        </p:spPr>
-      </p:pic>
-    </p:spTree>
-    <p:extLst>
-      <p:ext uri="{BB962C8B-B14F-4D97-AF65-F5344CB8AC3E}">
-        <p14:creationId xmlns:p14="http://schemas.microsoft.com/office/powerpoint/2010/main" val="3022992451"/>
-      </p:ext>
-    </p:extLst>
-  </p:cSld>
-  <p:clrMapOvr>
-    <a:masterClrMapping/>
-  </p:clrMapOvr>
-  <p:timing>
-    <p:tnLst>
-      <p:par>
-        <p:cTn id="1" dur="indefinite" restart="never" nodeType="tmRoot"/>
-      </p:par>
-    </p:tnLst>
-  </p:timing>
-</p:sld>
-</file>
-
-<file path=ppt/slides/slide6.xml><?xml version="1.0" encoding="utf-8"?>
-<p:sld xmlns:a="http://schemas.openxmlformats.org/drawingml/2006/main" xmlns:r="http://schemas.openxmlformats.org/officeDocument/2006/relationships" xmlns:p="http://schemas.openxmlformats.org/presentationml/2006/main">
-  <p:cSld>
-    <p:spTree>
-      <p:nvGrpSpPr>
-        <p:cNvPr id="1" name=""/>
-        <p:cNvGrpSpPr/>
-        <p:nvPr/>
-      </p:nvGrpSpPr>
-      <p:grpSpPr>
-        <a:xfrm>
-          <a:off x="0" y="0"/>
-          <a:ext cx="0" cy="0"/>
-          <a:chOff x="0" y="0"/>
-          <a:chExt cx="0" cy="0"/>
-        </a:xfrm>
-      </p:grpSpPr>
-      <p:sp>
-        <p:nvSpPr>
-          <p:cNvPr id="2" name="Title 1">
+          <a:blip r:embed="rId2">
             <a:extLst>
-              <a:ext uri="{FF2B5EF4-FFF2-40B4-BE49-F238E27FC236}">
-                <a16:creationId xmlns:a16="http://schemas.microsoft.com/office/drawing/2014/main" id="{3112F408-89C1-43DF-819C-F5D9F023C9E0}"/>
+              <a:ext uri="{28A0092B-C50C-407E-A947-70E740481C1C}">
+                <a14:useLocalDpi xmlns:a14="http://schemas.microsoft.com/office/drawing/2010/main" val="0"/>
               </a:ext>
             </a:extLst>
-          </p:cNvPr>
-          <p:cNvSpPr>
-            <a:spLocks noGrp="1"/>
-          </p:cNvSpPr>
-          <p:nvPr>
-            <p:ph type="title"/>
-          </p:nvPr>
-        </p:nvSpPr>
-        <p:spPr/>
-        <p:txBody>
-          <a:bodyPr/>
-          <a:lstStyle/>
-          <a:p>
-            <a:r>
-              <a:rPr lang="en-GB" dirty="0"/>
-              <a:t>City reviewer score analysis</a:t>
-            </a:r>
-            <a:endParaRPr lang="en-US" dirty="0"/>
-          </a:p>
-        </p:txBody>
-      </p:sp>
-      <p:pic>
-        <p:nvPicPr>
-          <p:cNvPr id="3" name="Picture 3" descr="Rev_Analysis_by_city.png">
-            <a:extLst>
-              <a:ext uri="{FF2B5EF4-FFF2-40B4-BE49-F238E27FC236}">
-                <a16:creationId xmlns:a16="http://schemas.microsoft.com/office/drawing/2014/main" id="{9E2E95E8-0AED-453B-A36B-AA8D5E63AA3D}"/>
-              </a:ext>
-            </a:extLst>
-          </p:cNvPr>
-          <p:cNvPicPr>
-            <a:picLocks noChangeAspect="1"/>
-          </p:cNvPicPr>
-          <p:nvPr/>
-        </p:nvPicPr>
-        <p:blipFill>
-          <a:blip r:embed="rId2"/>
+          </a:blip>
           <a:stretch>
             <a:fillRect/>
           </a:stretch>
@@ -6783,7 +6993,7 @@
         <p:spPr>
           <a:xfrm>
             <a:off x="688359" y="1914525"/>
-            <a:ext cx="9788208" cy="4567831"/>
+            <a:ext cx="9788208" cy="4567830"/>
           </a:xfrm>
           <a:prstGeom prst="rect">
             <a:avLst/>
@@ -6810,7 +7020,7 @@
 </p:sld>
 </file>
 
-<file path=ppt/slides/slide7.xml><?xml version="1.0" encoding="utf-8"?>
+<file path=ppt/slides/slide8.xml><?xml version="1.0" encoding="utf-8"?>
 <p:sld xmlns:a="http://schemas.openxmlformats.org/drawingml/2006/main" xmlns:r="http://schemas.openxmlformats.org/officeDocument/2006/relationships" xmlns:p="http://schemas.openxmlformats.org/presentationml/2006/main">
   <p:cSld>
     <p:spTree>
@@ -6858,7 +7068,7 @@
       </p:sp>
       <p:pic>
         <p:nvPicPr>
-          <p:cNvPr id="3" name="Picture 3" descr="Average_by_city.png">
+          <p:cNvPr id="3" name="Picture 3">
             <a:extLst>
               <a:ext uri="{FF2B5EF4-FFF2-40B4-BE49-F238E27FC236}">
                 <a16:creationId xmlns:a16="http://schemas.microsoft.com/office/drawing/2014/main" id="{9E2E95E8-0AED-453B-A36B-AA8D5E63AA3D}"/>
@@ -6871,7 +7081,13 @@
           <p:nvPr/>
         </p:nvPicPr>
         <p:blipFill>
-          <a:blip r:embed="rId2"/>
+          <a:blip r:embed="rId2">
+            <a:extLst>
+              <a:ext uri="{28A0092B-C50C-407E-A947-70E740481C1C}">
+                <a14:useLocalDpi xmlns:a14="http://schemas.microsoft.com/office/drawing/2010/main" val="0"/>
+              </a:ext>
+            </a:extLst>
+          </a:blip>
           <a:stretch>
             <a:fillRect/>
           </a:stretch>
@@ -6879,7 +7095,7 @@
         <p:spPr>
           <a:xfrm>
             <a:off x="688359" y="1914525"/>
-            <a:ext cx="9788208" cy="4567831"/>
+            <a:ext cx="9788208" cy="4567830"/>
           </a:xfrm>
           <a:prstGeom prst="rect">
             <a:avLst/>
@@ -6906,7 +7122,7 @@
 </p:sld>
 </file>
 
-<file path=ppt/slides/slide8.xml><?xml version="1.0" encoding="utf-8"?>
+<file path=ppt/slides/slide9.xml><?xml version="1.0" encoding="utf-8"?>
 <p:sld xmlns:a="http://schemas.openxmlformats.org/drawingml/2006/main" xmlns:r="http://schemas.openxmlformats.org/officeDocument/2006/relationships" xmlns:p="http://schemas.openxmlformats.org/presentationml/2006/main">
   <p:cSld>
     <p:spTree>
@@ -6992,102 +7208,6 @@
     <p:extLst>
       <p:ext uri="{BB962C8B-B14F-4D97-AF65-F5344CB8AC3E}">
         <p14:creationId xmlns:p14="http://schemas.microsoft.com/office/powerpoint/2010/main" val="2505325041"/>
-      </p:ext>
-    </p:extLst>
-  </p:cSld>
-  <p:clrMapOvr>
-    <a:masterClrMapping/>
-  </p:clrMapOvr>
-  <p:timing>
-    <p:tnLst>
-      <p:par>
-        <p:cTn id="1" dur="indefinite" restart="never" nodeType="tmRoot"/>
-      </p:par>
-    </p:tnLst>
-  </p:timing>
-</p:sld>
-</file>
-
-<file path=ppt/slides/slide9.xml><?xml version="1.0" encoding="utf-8"?>
-<p:sld xmlns:a="http://schemas.openxmlformats.org/drawingml/2006/main" xmlns:r="http://schemas.openxmlformats.org/officeDocument/2006/relationships" xmlns:p="http://schemas.openxmlformats.org/presentationml/2006/main">
-  <p:cSld>
-    <p:spTree>
-      <p:nvGrpSpPr>
-        <p:cNvPr id="1" name=""/>
-        <p:cNvGrpSpPr/>
-        <p:nvPr/>
-      </p:nvGrpSpPr>
-      <p:grpSpPr>
-        <a:xfrm>
-          <a:off x="0" y="0"/>
-          <a:ext cx="0" cy="0"/>
-          <a:chOff x="0" y="0"/>
-          <a:chExt cx="0" cy="0"/>
-        </a:xfrm>
-      </p:grpSpPr>
-      <p:sp>
-        <p:nvSpPr>
-          <p:cNvPr id="2" name="Title 1">
-            <a:extLst>
-              <a:ext uri="{FF2B5EF4-FFF2-40B4-BE49-F238E27FC236}">
-                <a16:creationId xmlns:a16="http://schemas.microsoft.com/office/drawing/2014/main" id="{3112F408-89C1-43DF-819C-F5D9F023C9E0}"/>
-              </a:ext>
-            </a:extLst>
-          </p:cNvPr>
-          <p:cNvSpPr>
-            <a:spLocks noGrp="1"/>
-          </p:cNvSpPr>
-          <p:nvPr>
-            <p:ph type="title"/>
-          </p:nvPr>
-        </p:nvSpPr>
-        <p:spPr/>
-        <p:txBody>
-          <a:bodyPr/>
-          <a:lstStyle/>
-          <a:p>
-            <a:r>
-              <a:rPr lang="en-GB" dirty="0"/>
-              <a:t>Franchise hotel analysis</a:t>
-            </a:r>
-            <a:endParaRPr lang="en-US" dirty="0"/>
-          </a:p>
-        </p:txBody>
-      </p:sp>
-      <p:pic>
-        <p:nvPicPr>
-          <p:cNvPr id="3" name="Picture 3" descr="Franchise Hotel Review Distributions.png">
-            <a:extLst>
-              <a:ext uri="{FF2B5EF4-FFF2-40B4-BE49-F238E27FC236}">
-                <a16:creationId xmlns:a16="http://schemas.microsoft.com/office/drawing/2014/main" id="{9E2E95E8-0AED-453B-A36B-AA8D5E63AA3D}"/>
-              </a:ext>
-            </a:extLst>
-          </p:cNvPr>
-          <p:cNvPicPr>
-            <a:picLocks noChangeAspect="1"/>
-          </p:cNvPicPr>
-          <p:nvPr/>
-        </p:nvPicPr>
-        <p:blipFill>
-          <a:blip r:embed="rId2"/>
-          <a:stretch>
-            <a:fillRect/>
-          </a:stretch>
-        </p:blipFill>
-        <p:spPr>
-          <a:xfrm>
-            <a:off x="688359" y="1914525"/>
-            <a:ext cx="9788208" cy="4567831"/>
-          </a:xfrm>
-          <a:prstGeom prst="rect">
-            <a:avLst/>
-          </a:prstGeom>
-        </p:spPr>
-      </p:pic>
-    </p:spTree>
-    <p:extLst>
-      <p:ext uri="{BB962C8B-B14F-4D97-AF65-F5344CB8AC3E}">
-        <p14:creationId xmlns:p14="http://schemas.microsoft.com/office/powerpoint/2010/main" val="454606767"/>
       </p:ext>
     </p:extLst>
   </p:cSld>
